--- a/draft-opsawg-ipfix-on-path-telemetry-01.pptx
+++ b/draft-opsawg-ipfix-on-path-telemetry-01.pptx
@@ -5,13 +5,14 @@
     <p:sldMasterId id="2147483648" r:id="rId1"/>
   </p:sldMasterIdLst>
   <p:notesMasterIdLst>
-    <p:notesMasterId r:id="rId6"/>
+    <p:notesMasterId r:id="rId7"/>
   </p:notesMasterIdLst>
   <p:sldIdLst>
     <p:sldId id="1041" r:id="rId2"/>
     <p:sldId id="26413" r:id="rId3"/>
     <p:sldId id="26416" r:id="rId4"/>
-    <p:sldId id="26415" r:id="rId5"/>
+    <p:sldId id="26417" r:id="rId5"/>
+    <p:sldId id="26415" r:id="rId6"/>
   </p:sldIdLst>
   <p:sldSz cx="12192000" cy="6858000"/>
   <p:notesSz cx="6858000" cy="9144000"/>
@@ -121,13 +122,155 @@
 <file path=ppt/revisionInfo.xml><?xml version="1.0" encoding="utf-8"?>
 <p1510:revInfo xmlns:a="http://schemas.openxmlformats.org/drawingml/2006/main" xmlns:r="http://schemas.openxmlformats.org/officeDocument/2006/relationships" xmlns:p1510="http://schemas.microsoft.com/office/powerpoint/2015/10/main">
   <p1510:revLst>
-    <p1510:client id="{7C1D34EF-CEA2-4154-BF78-1DCB1789E4C5}" v="2" dt="2022-07-28T15:15:26.794"/>
+    <p1510:client id="{4A91D246-0B5B-4DD3-9B91-EC329C22E497}" v="10" dt="2023-03-25T06:59:46.956"/>
   </p1510:revLst>
 </p1510:revInfo>
 </file>
 
 <file path=ppt/changesInfos/changesInfo1.xml><?xml version="1.0" encoding="utf-8"?>
 <pc:chgInfo xmlns:a="http://schemas.openxmlformats.org/drawingml/2006/main" xmlns:r="http://schemas.openxmlformats.org/officeDocument/2006/relationships" xmlns:ac="http://schemas.microsoft.com/office/drawing/2013/main/command" xmlns:pc="http://schemas.microsoft.com/office/powerpoint/2013/main/command">
+  <pc:docChgLst>
+    <pc:chgData name="Graf Thomas, INI-NET-DCF" userId="487bc3e3-9ce7-4cdd-b7b4-8899ea88d289" providerId="ADAL" clId="{D2D88D83-EF10-408A-A9AE-EEA2F4BC3522}"/>
+    <pc:docChg chg="custSel modSld">
+      <pc:chgData name="Graf Thomas, INI-NET-DCF" userId="487bc3e3-9ce7-4cdd-b7b4-8899ea88d289" providerId="ADAL" clId="{D2D88D83-EF10-408A-A9AE-EEA2F4BC3522}" dt="2020-06-13T11:16:48.674" v="47" actId="478"/>
+      <pc:docMkLst>
+        <pc:docMk/>
+      </pc:docMkLst>
+      <pc:sldChg chg="modSp">
+        <pc:chgData name="Graf Thomas, INI-NET-DCF" userId="487bc3e3-9ce7-4cdd-b7b4-8899ea88d289" providerId="ADAL" clId="{D2D88D83-EF10-408A-A9AE-EEA2F4BC3522}" dt="2020-06-13T11:08:48.535" v="11" actId="20577"/>
+        <pc:sldMkLst>
+          <pc:docMk/>
+          <pc:sldMk cId="3578665336" sldId="1041"/>
+        </pc:sldMkLst>
+        <pc:spChg chg="mod">
+          <ac:chgData name="Graf Thomas, INI-NET-DCF" userId="487bc3e3-9ce7-4cdd-b7b4-8899ea88d289" providerId="ADAL" clId="{D2D88D83-EF10-408A-A9AE-EEA2F4BC3522}" dt="2020-06-13T11:08:48.535" v="11" actId="20577"/>
+          <ac:spMkLst>
+            <pc:docMk/>
+            <pc:sldMk cId="3578665336" sldId="1041"/>
+            <ac:spMk id="6" creationId="{76B60DEE-AB49-47F4-AC01-C954634AD15B}"/>
+          </ac:spMkLst>
+        </pc:spChg>
+      </pc:sldChg>
+      <pc:sldChg chg="addSp delSp modSp">
+        <pc:chgData name="Graf Thomas, INI-NET-DCF" userId="487bc3e3-9ce7-4cdd-b7b4-8899ea88d289" providerId="ADAL" clId="{D2D88D83-EF10-408A-A9AE-EEA2F4BC3522}" dt="2020-06-13T11:16:48.674" v="47" actId="478"/>
+        <pc:sldMkLst>
+          <pc:docMk/>
+          <pc:sldMk cId="4005888238" sldId="1046"/>
+        </pc:sldMkLst>
+        <pc:spChg chg="mod">
+          <ac:chgData name="Graf Thomas, INI-NET-DCF" userId="487bc3e3-9ce7-4cdd-b7b4-8899ea88d289" providerId="ADAL" clId="{D2D88D83-EF10-408A-A9AE-EEA2F4BC3522}" dt="2020-06-13T11:09:08.297" v="12" actId="33524"/>
+          <ac:spMkLst>
+            <pc:docMk/>
+            <pc:sldMk cId="4005888238" sldId="1046"/>
+            <ac:spMk id="3" creationId="{29C0DFD4-432D-4B0C-93DF-790441DCF5B9}"/>
+          </ac:spMkLst>
+        </pc:spChg>
+        <pc:spChg chg="mod">
+          <ac:chgData name="Graf Thomas, INI-NET-DCF" userId="487bc3e3-9ce7-4cdd-b7b4-8899ea88d289" providerId="ADAL" clId="{D2D88D83-EF10-408A-A9AE-EEA2F4BC3522}" dt="2020-06-13T11:15:30.435" v="34" actId="14100"/>
+          <ac:spMkLst>
+            <pc:docMk/>
+            <pc:sldMk cId="4005888238" sldId="1046"/>
+            <ac:spMk id="17" creationId="{3A749B68-71C0-48BE-AEC2-F59082F0DB29}"/>
+          </ac:spMkLst>
+        </pc:spChg>
+        <pc:spChg chg="mod">
+          <ac:chgData name="Graf Thomas, INI-NET-DCF" userId="487bc3e3-9ce7-4cdd-b7b4-8899ea88d289" providerId="ADAL" clId="{D2D88D83-EF10-408A-A9AE-EEA2F4BC3522}" dt="2020-06-13T11:15:32.890" v="35" actId="14100"/>
+          <ac:spMkLst>
+            <pc:docMk/>
+            <pc:sldMk cId="4005888238" sldId="1046"/>
+            <ac:spMk id="19" creationId="{6980766F-6C98-4BA9-847A-7685BC1CF66D}"/>
+          </ac:spMkLst>
+        </pc:spChg>
+        <pc:spChg chg="mod">
+          <ac:chgData name="Graf Thomas, INI-NET-DCF" userId="487bc3e3-9ce7-4cdd-b7b4-8899ea88d289" providerId="ADAL" clId="{D2D88D83-EF10-408A-A9AE-EEA2F4BC3522}" dt="2020-06-13T11:16:09.318" v="40" actId="14100"/>
+          <ac:spMkLst>
+            <pc:docMk/>
+            <pc:sldMk cId="4005888238" sldId="1046"/>
+            <ac:spMk id="20" creationId="{AB282471-93EB-426D-A00D-74CF8E43C8B1}"/>
+          </ac:spMkLst>
+        </pc:spChg>
+        <pc:spChg chg="mod">
+          <ac:chgData name="Graf Thomas, INI-NET-DCF" userId="487bc3e3-9ce7-4cdd-b7b4-8899ea88d289" providerId="ADAL" clId="{D2D88D83-EF10-408A-A9AE-EEA2F4BC3522}" dt="2020-06-13T11:16:06.012" v="38" actId="14100"/>
+          <ac:spMkLst>
+            <pc:docMk/>
+            <pc:sldMk cId="4005888238" sldId="1046"/>
+            <ac:spMk id="21" creationId="{9398FE24-ED6E-48F4-B7D6-B59764DFE773}"/>
+          </ac:spMkLst>
+        </pc:spChg>
+        <pc:spChg chg="mod">
+          <ac:chgData name="Graf Thomas, INI-NET-DCF" userId="487bc3e3-9ce7-4cdd-b7b4-8899ea88d289" providerId="ADAL" clId="{D2D88D83-EF10-408A-A9AE-EEA2F4BC3522}" dt="2020-06-13T11:16:03.740" v="37" actId="14100"/>
+          <ac:spMkLst>
+            <pc:docMk/>
+            <pc:sldMk cId="4005888238" sldId="1046"/>
+            <ac:spMk id="22" creationId="{CDD81C07-5F4F-4F36-9821-B8674C794890}"/>
+          </ac:spMkLst>
+        </pc:spChg>
+        <pc:spChg chg="mod">
+          <ac:chgData name="Graf Thomas, INI-NET-DCF" userId="487bc3e3-9ce7-4cdd-b7b4-8899ea88d289" providerId="ADAL" clId="{D2D88D83-EF10-408A-A9AE-EEA2F4BC3522}" dt="2020-06-13T11:15:36.084" v="36" actId="14100"/>
+          <ac:spMkLst>
+            <pc:docMk/>
+            <pc:sldMk cId="4005888238" sldId="1046"/>
+            <ac:spMk id="23" creationId="{9CFD2FD5-7390-4BA6-905C-64474D60494A}"/>
+          </ac:spMkLst>
+        </pc:spChg>
+        <pc:cxnChg chg="add del mod">
+          <ac:chgData name="Graf Thomas, INI-NET-DCF" userId="487bc3e3-9ce7-4cdd-b7b4-8899ea88d289" providerId="ADAL" clId="{D2D88D83-EF10-408A-A9AE-EEA2F4BC3522}" dt="2020-06-13T11:16:30.836" v="43" actId="478"/>
+          <ac:cxnSpMkLst>
+            <pc:docMk/>
+            <pc:sldMk cId="4005888238" sldId="1046"/>
+            <ac:cxnSpMk id="29" creationId="{E594F5AA-B9BB-4DE7-B2A3-7566320256B3}"/>
+          </ac:cxnSpMkLst>
+        </pc:cxnChg>
+        <pc:cxnChg chg="add del mod">
+          <ac:chgData name="Graf Thomas, INI-NET-DCF" userId="487bc3e3-9ce7-4cdd-b7b4-8899ea88d289" providerId="ADAL" clId="{D2D88D83-EF10-408A-A9AE-EEA2F4BC3522}" dt="2020-06-13T11:16:48.674" v="47" actId="478"/>
+          <ac:cxnSpMkLst>
+            <pc:docMk/>
+            <pc:sldMk cId="4005888238" sldId="1046"/>
+            <ac:cxnSpMk id="30" creationId="{B7A7383F-DE4A-4281-A40B-35EAF0EE26D9}"/>
+          </ac:cxnSpMkLst>
+        </pc:cxnChg>
+      </pc:sldChg>
+      <pc:sldChg chg="modSp">
+        <pc:chgData name="Graf Thomas, INI-NET-DCF" userId="487bc3e3-9ce7-4cdd-b7b4-8899ea88d289" providerId="ADAL" clId="{D2D88D83-EF10-408A-A9AE-EEA2F4BC3522}" dt="2020-06-13T11:09:36.597" v="24" actId="20577"/>
+        <pc:sldMkLst>
+          <pc:docMk/>
+          <pc:sldMk cId="3529422000" sldId="1048"/>
+        </pc:sldMkLst>
+        <pc:spChg chg="mod">
+          <ac:chgData name="Graf Thomas, INI-NET-DCF" userId="487bc3e3-9ce7-4cdd-b7b4-8899ea88d289" providerId="ADAL" clId="{D2D88D83-EF10-408A-A9AE-EEA2F4BC3522}" dt="2020-06-13T11:09:36.597" v="24" actId="20577"/>
+          <ac:spMkLst>
+            <pc:docMk/>
+            <pc:sldMk cId="3529422000" sldId="1048"/>
+            <ac:spMk id="6" creationId="{76B60DEE-AB49-47F4-AC01-C954634AD15B}"/>
+          </ac:spMkLst>
+        </pc:spChg>
+      </pc:sldChg>
+    </pc:docChg>
+  </pc:docChgLst>
+  <pc:docChgLst>
+    <pc:chgData name="Graf Thomas, INI-NET-DCF" userId="487bc3e3-9ce7-4cdd-b7b4-8899ea88d289" providerId="ADAL" clId="{36E6DFBC-EB3C-4D3C-97F7-C6A855FFE787}"/>
+    <pc:docChg chg="modSld">
+      <pc:chgData name="Graf Thomas, INI-NET-DCF" userId="487bc3e3-9ce7-4cdd-b7b4-8899ea88d289" providerId="ADAL" clId="{36E6DFBC-EB3C-4D3C-97F7-C6A855FFE787}" dt="2020-07-27T12:02:41.304" v="1" actId="20577"/>
+      <pc:docMkLst>
+        <pc:docMk/>
+      </pc:docMkLst>
+      <pc:sldChg chg="modSp">
+        <pc:chgData name="Graf Thomas, INI-NET-DCF" userId="487bc3e3-9ce7-4cdd-b7b4-8899ea88d289" providerId="ADAL" clId="{36E6DFBC-EB3C-4D3C-97F7-C6A855FFE787}" dt="2020-07-27T12:02:41.304" v="1" actId="20577"/>
+        <pc:sldMkLst>
+          <pc:docMk/>
+          <pc:sldMk cId="3529422000" sldId="1048"/>
+        </pc:sldMkLst>
+        <pc:spChg chg="mod">
+          <ac:chgData name="Graf Thomas, INI-NET-DCF" userId="487bc3e3-9ce7-4cdd-b7b4-8899ea88d289" providerId="ADAL" clId="{36E6DFBC-EB3C-4D3C-97F7-C6A855FFE787}" dt="2020-07-27T12:02:41.304" v="1" actId="20577"/>
+          <ac:spMkLst>
+            <pc:docMk/>
+            <pc:sldMk cId="3529422000" sldId="1048"/>
+            <ac:spMk id="5" creationId="{C26208B2-0D10-4C23-B2DE-372A62E98644}"/>
+          </ac:spMkLst>
+        </pc:spChg>
+      </pc:sldChg>
+    </pc:docChg>
+  </pc:docChgLst>
   <pc:docChgLst>
     <pc:chgData name="Graf Thomas, INI-NET-TCZ-ZH1" userId="487bc3e3-9ce7-4cdd-b7b4-8899ea88d289" providerId="ADAL" clId="{5AD3FCCF-5AAE-4D6D-9322-2161447788A3}"/>
     <pc:docChg chg="undo custSel addSld delSld modSld sldOrd">
@@ -613,6 +756,291 @@
     </pc:docChg>
   </pc:docChgLst>
   <pc:docChgLst>
+    <pc:chgData name="Thomas Graf" userId="487bc3e3-9ce7-4cdd-b7b4-8899ea88d289" providerId="ADAL" clId="{4A91D246-0B5B-4DD3-9B91-EC329C22E497}"/>
+    <pc:docChg chg="undo redo custSel addSld modSld">
+      <pc:chgData name="Thomas Graf" userId="487bc3e3-9ce7-4cdd-b7b4-8899ea88d289" providerId="ADAL" clId="{4A91D246-0B5B-4DD3-9B91-EC329C22E497}" dt="2023-03-25T06:59:53.790" v="121" actId="1036"/>
+      <pc:docMkLst>
+        <pc:docMk/>
+      </pc:docMkLst>
+      <pc:sldChg chg="modSp mod">
+        <pc:chgData name="Thomas Graf" userId="487bc3e3-9ce7-4cdd-b7b4-8899ea88d289" providerId="ADAL" clId="{4A91D246-0B5B-4DD3-9B91-EC329C22E497}" dt="2023-03-25T06:28:41.700" v="97" actId="20577"/>
+        <pc:sldMkLst>
+          <pc:docMk/>
+          <pc:sldMk cId="3578665336" sldId="1041"/>
+        </pc:sldMkLst>
+        <pc:spChg chg="mod">
+          <ac:chgData name="Thomas Graf" userId="487bc3e3-9ce7-4cdd-b7b4-8899ea88d289" providerId="ADAL" clId="{4A91D246-0B5B-4DD3-9B91-EC329C22E497}" dt="2023-03-25T06:28:41.700" v="97" actId="20577"/>
+          <ac:spMkLst>
+            <pc:docMk/>
+            <pc:sldMk cId="3578665336" sldId="1041"/>
+            <ac:spMk id="6" creationId="{6CAA0765-1318-4A03-8F91-D3ECC43D8FA7}"/>
+          </ac:spMkLst>
+        </pc:spChg>
+      </pc:sldChg>
+      <pc:sldChg chg="modSp mod">
+        <pc:chgData name="Thomas Graf" userId="487bc3e3-9ce7-4cdd-b7b4-8899ea88d289" providerId="ADAL" clId="{4A91D246-0B5B-4DD3-9B91-EC329C22E497}" dt="2023-03-25T06:29:53.530" v="102" actId="20577"/>
+        <pc:sldMkLst>
+          <pc:docMk/>
+          <pc:sldMk cId="2578889968" sldId="26415"/>
+        </pc:sldMkLst>
+        <pc:spChg chg="mod">
+          <ac:chgData name="Thomas Graf" userId="487bc3e3-9ce7-4cdd-b7b4-8899ea88d289" providerId="ADAL" clId="{4A91D246-0B5B-4DD3-9B91-EC329C22E497}" dt="2023-03-25T06:29:53.530" v="102" actId="20577"/>
+          <ac:spMkLst>
+            <pc:docMk/>
+            <pc:sldMk cId="2578889968" sldId="26415"/>
+            <ac:spMk id="7" creationId="{BF6DCC5D-2508-4A9B-B734-C8C5147F93FB}"/>
+          </ac:spMkLst>
+        </pc:spChg>
+      </pc:sldChg>
+      <pc:sldChg chg="addSp delSp modSp mod">
+        <pc:chgData name="Thomas Graf" userId="487bc3e3-9ce7-4cdd-b7b4-8899ea88d289" providerId="ADAL" clId="{4A91D246-0B5B-4DD3-9B91-EC329C22E497}" dt="2023-03-25T06:29:06.593" v="98" actId="20577"/>
+        <pc:sldMkLst>
+          <pc:docMk/>
+          <pc:sldMk cId="536220242" sldId="26416"/>
+        </pc:sldMkLst>
+        <pc:spChg chg="mod">
+          <ac:chgData name="Thomas Graf" userId="487bc3e3-9ce7-4cdd-b7b4-8899ea88d289" providerId="ADAL" clId="{4A91D246-0B5B-4DD3-9B91-EC329C22E497}" dt="2023-03-25T06:29:06.593" v="98" actId="20577"/>
+          <ac:spMkLst>
+            <pc:docMk/>
+            <pc:sldMk cId="536220242" sldId="26416"/>
+            <ac:spMk id="3" creationId="{29C0DFD4-432D-4B0C-93DF-790441DCF5B9}"/>
+          </ac:spMkLst>
+        </pc:spChg>
+        <pc:spChg chg="add del mod">
+          <ac:chgData name="Thomas Graf" userId="487bc3e3-9ce7-4cdd-b7b4-8899ea88d289" providerId="ADAL" clId="{4A91D246-0B5B-4DD3-9B91-EC329C22E497}" dt="2023-03-25T06:17:27.295" v="12" actId="478"/>
+          <ac:spMkLst>
+            <pc:docMk/>
+            <pc:sldMk cId="536220242" sldId="26416"/>
+            <ac:spMk id="8" creationId="{815EBD8A-EA89-4227-B5E0-A53A487DFCBF}"/>
+          </ac:spMkLst>
+        </pc:spChg>
+        <pc:spChg chg="add del mod">
+          <ac:chgData name="Thomas Graf" userId="487bc3e3-9ce7-4cdd-b7b4-8899ea88d289" providerId="ADAL" clId="{4A91D246-0B5B-4DD3-9B91-EC329C22E497}" dt="2023-03-25T06:19:15.982" v="24"/>
+          <ac:spMkLst>
+            <pc:docMk/>
+            <pc:sldMk cId="536220242" sldId="26416"/>
+            <ac:spMk id="10" creationId="{DACE3E5A-0F84-4F91-9BA1-1BF2E3207899}"/>
+          </ac:spMkLst>
+        </pc:spChg>
+        <pc:spChg chg="add del mod">
+          <ac:chgData name="Thomas Graf" userId="487bc3e3-9ce7-4cdd-b7b4-8899ea88d289" providerId="ADAL" clId="{4A91D246-0B5B-4DD3-9B91-EC329C22E497}" dt="2023-03-25T06:19:15.982" v="24"/>
+          <ac:spMkLst>
+            <pc:docMk/>
+            <pc:sldMk cId="536220242" sldId="26416"/>
+            <ac:spMk id="11" creationId="{B7A51A76-561F-4A43-A8A6-3384F9658149}"/>
+          </ac:spMkLst>
+        </pc:spChg>
+        <pc:spChg chg="add del mod">
+          <ac:chgData name="Thomas Graf" userId="487bc3e3-9ce7-4cdd-b7b4-8899ea88d289" providerId="ADAL" clId="{4A91D246-0B5B-4DD3-9B91-EC329C22E497}" dt="2023-03-25T06:19:15.982" v="24"/>
+          <ac:spMkLst>
+            <pc:docMk/>
+            <pc:sldMk cId="536220242" sldId="26416"/>
+            <ac:spMk id="12" creationId="{E61432BA-5162-4BD3-A88D-5DFC97C8BBF6}"/>
+          </ac:spMkLst>
+        </pc:spChg>
+        <pc:spChg chg="add del mod">
+          <ac:chgData name="Thomas Graf" userId="487bc3e3-9ce7-4cdd-b7b4-8899ea88d289" providerId="ADAL" clId="{4A91D246-0B5B-4DD3-9B91-EC329C22E497}" dt="2023-03-25T06:19:15.982" v="24"/>
+          <ac:spMkLst>
+            <pc:docMk/>
+            <pc:sldMk cId="536220242" sldId="26416"/>
+            <ac:spMk id="13" creationId="{376524E3-EC67-4F4A-B95F-E10ADD589711}"/>
+          </ac:spMkLst>
+        </pc:spChg>
+        <pc:spChg chg="add del mod">
+          <ac:chgData name="Thomas Graf" userId="487bc3e3-9ce7-4cdd-b7b4-8899ea88d289" providerId="ADAL" clId="{4A91D246-0B5B-4DD3-9B91-EC329C22E497}" dt="2023-03-25T06:19:15.982" v="24"/>
+          <ac:spMkLst>
+            <pc:docMk/>
+            <pc:sldMk cId="536220242" sldId="26416"/>
+            <ac:spMk id="14" creationId="{99BB7D52-4D1F-4D9B-9C98-91C349E51804}"/>
+          </ac:spMkLst>
+        </pc:spChg>
+        <pc:spChg chg="add del mod">
+          <ac:chgData name="Thomas Graf" userId="487bc3e3-9ce7-4cdd-b7b4-8899ea88d289" providerId="ADAL" clId="{4A91D246-0B5B-4DD3-9B91-EC329C22E497}" dt="2023-03-25T06:19:15.982" v="24"/>
+          <ac:spMkLst>
+            <pc:docMk/>
+            <pc:sldMk cId="536220242" sldId="26416"/>
+            <ac:spMk id="15" creationId="{E7D22302-E59F-480B-830F-8D99A5CCBBFF}"/>
+          </ac:spMkLst>
+        </pc:spChg>
+        <pc:spChg chg="add del mod">
+          <ac:chgData name="Thomas Graf" userId="487bc3e3-9ce7-4cdd-b7b4-8899ea88d289" providerId="ADAL" clId="{4A91D246-0B5B-4DD3-9B91-EC329C22E497}" dt="2023-03-25T06:19:15.982" v="24"/>
+          <ac:spMkLst>
+            <pc:docMk/>
+            <pc:sldMk cId="536220242" sldId="26416"/>
+            <ac:spMk id="17" creationId="{651D2BBF-2344-433C-A97C-92512ADDF846}"/>
+          </ac:spMkLst>
+        </pc:spChg>
+        <pc:spChg chg="add del mod">
+          <ac:chgData name="Thomas Graf" userId="487bc3e3-9ce7-4cdd-b7b4-8899ea88d289" providerId="ADAL" clId="{4A91D246-0B5B-4DD3-9B91-EC329C22E497}" dt="2023-03-25T06:19:15.982" v="24"/>
+          <ac:spMkLst>
+            <pc:docMk/>
+            <pc:sldMk cId="536220242" sldId="26416"/>
+            <ac:spMk id="18" creationId="{B044C3B8-DC48-4C47-B2BA-30863F39E0EA}"/>
+          </ac:spMkLst>
+        </pc:spChg>
+        <pc:picChg chg="add del">
+          <ac:chgData name="Thomas Graf" userId="487bc3e3-9ce7-4cdd-b7b4-8899ea88d289" providerId="ADAL" clId="{4A91D246-0B5B-4DD3-9B91-EC329C22E497}" dt="2023-03-25T06:19:58.805" v="33" actId="478"/>
+          <ac:picMkLst>
+            <pc:docMk/>
+            <pc:sldMk cId="536220242" sldId="26416"/>
+            <ac:picMk id="5" creationId="{56D27233-1534-4CB5-9D49-F9660D8781E1}"/>
+          </ac:picMkLst>
+        </pc:picChg>
+        <pc:picChg chg="add del mod">
+          <ac:chgData name="Thomas Graf" userId="487bc3e3-9ce7-4cdd-b7b4-8899ea88d289" providerId="ADAL" clId="{4A91D246-0B5B-4DD3-9B91-EC329C22E497}" dt="2023-03-25T06:19:42.124" v="27" actId="478"/>
+          <ac:picMkLst>
+            <pc:docMk/>
+            <pc:sldMk cId="536220242" sldId="26416"/>
+            <ac:picMk id="6" creationId="{5CBF930C-1869-4FB2-8804-49828E70DB81}"/>
+          </ac:picMkLst>
+        </pc:picChg>
+        <pc:picChg chg="add del mod">
+          <ac:chgData name="Thomas Graf" userId="487bc3e3-9ce7-4cdd-b7b4-8899ea88d289" providerId="ADAL" clId="{4A91D246-0B5B-4DD3-9B91-EC329C22E497}" dt="2023-03-25T06:19:15.982" v="24"/>
+          <ac:picMkLst>
+            <pc:docMk/>
+            <pc:sldMk cId="536220242" sldId="26416"/>
+            <ac:picMk id="9" creationId="{591D8639-4571-4752-950E-DE6ED2C74EBA}"/>
+          </ac:picMkLst>
+        </pc:picChg>
+        <pc:picChg chg="add mod">
+          <ac:chgData name="Thomas Graf" userId="487bc3e3-9ce7-4cdd-b7b4-8899ea88d289" providerId="ADAL" clId="{4A91D246-0B5B-4DD3-9B91-EC329C22E497}" dt="2023-03-25T06:22:17.210" v="51" actId="1076"/>
+          <ac:picMkLst>
+            <pc:docMk/>
+            <pc:sldMk cId="536220242" sldId="26416"/>
+            <ac:picMk id="19" creationId="{DC92A3FE-C3AB-4A25-A708-72A59F9E0D80}"/>
+          </ac:picMkLst>
+        </pc:picChg>
+      </pc:sldChg>
+      <pc:sldChg chg="addSp delSp modSp add mod">
+        <pc:chgData name="Thomas Graf" userId="487bc3e3-9ce7-4cdd-b7b4-8899ea88d289" providerId="ADAL" clId="{4A91D246-0B5B-4DD3-9B91-EC329C22E497}" dt="2023-03-25T06:59:53.790" v="121" actId="1036"/>
+        <pc:sldMkLst>
+          <pc:docMk/>
+          <pc:sldMk cId="1252818839" sldId="26417"/>
+        </pc:sldMkLst>
+        <pc:spChg chg="del">
+          <ac:chgData name="Thomas Graf" userId="487bc3e3-9ce7-4cdd-b7b4-8899ea88d289" providerId="ADAL" clId="{4A91D246-0B5B-4DD3-9B91-EC329C22E497}" dt="2023-03-25T06:23:44.843" v="70" actId="478"/>
+          <ac:spMkLst>
+            <pc:docMk/>
+            <pc:sldMk cId="1252818839" sldId="26417"/>
+            <ac:spMk id="3" creationId="{29C0DFD4-432D-4B0C-93DF-790441DCF5B9}"/>
+          </ac:spMkLst>
+        </pc:spChg>
+        <pc:spChg chg="add del mod">
+          <ac:chgData name="Thomas Graf" userId="487bc3e3-9ce7-4cdd-b7b4-8899ea88d289" providerId="ADAL" clId="{4A91D246-0B5B-4DD3-9B91-EC329C22E497}" dt="2023-03-25T06:23:46.426" v="71" actId="478"/>
+          <ac:spMkLst>
+            <pc:docMk/>
+            <pc:sldMk cId="1252818839" sldId="26417"/>
+            <ac:spMk id="7" creationId="{EDC3ACE4-56BB-4743-B6DA-EEF47E81B76F}"/>
+          </ac:spMkLst>
+        </pc:spChg>
+        <pc:spChg chg="add mod">
+          <ac:chgData name="Thomas Graf" userId="487bc3e3-9ce7-4cdd-b7b4-8899ea88d289" providerId="ADAL" clId="{4A91D246-0B5B-4DD3-9B91-EC329C22E497}" dt="2023-03-25T06:28:11.606" v="95" actId="1076"/>
+          <ac:spMkLst>
+            <pc:docMk/>
+            <pc:sldMk cId="1252818839" sldId="26417"/>
+            <ac:spMk id="10" creationId="{1849B677-3504-4C9B-9F33-B08FC6D5A212}"/>
+          </ac:spMkLst>
+        </pc:spChg>
+        <pc:spChg chg="add mod">
+          <ac:chgData name="Thomas Graf" userId="487bc3e3-9ce7-4cdd-b7b4-8899ea88d289" providerId="ADAL" clId="{4A91D246-0B5B-4DD3-9B91-EC329C22E497}" dt="2023-03-25T06:27:49.819" v="91" actId="1076"/>
+          <ac:spMkLst>
+            <pc:docMk/>
+            <pc:sldMk cId="1252818839" sldId="26417"/>
+            <ac:spMk id="12" creationId="{7010FA8D-2DD7-485A-92A5-769A7F661B55}"/>
+          </ac:spMkLst>
+        </pc:spChg>
+        <pc:spChg chg="add mod">
+          <ac:chgData name="Thomas Graf" userId="487bc3e3-9ce7-4cdd-b7b4-8899ea88d289" providerId="ADAL" clId="{4A91D246-0B5B-4DD3-9B91-EC329C22E497}" dt="2023-03-25T06:27:33.975" v="86" actId="1076"/>
+          <ac:spMkLst>
+            <pc:docMk/>
+            <pc:sldMk cId="1252818839" sldId="26417"/>
+            <ac:spMk id="13" creationId="{492FEB93-34D1-4323-8D28-1A14E75AFDAC}"/>
+          </ac:spMkLst>
+        </pc:spChg>
+        <pc:spChg chg="add mod">
+          <ac:chgData name="Thomas Graf" userId="487bc3e3-9ce7-4cdd-b7b4-8899ea88d289" providerId="ADAL" clId="{4A91D246-0B5B-4DD3-9B91-EC329C22E497}" dt="2023-03-25T06:27:31.252" v="85" actId="1076"/>
+          <ac:spMkLst>
+            <pc:docMk/>
+            <pc:sldMk cId="1252818839" sldId="26417"/>
+            <ac:spMk id="14" creationId="{9429F1EB-6BAF-4D65-8992-98877A3649B0}"/>
+          </ac:spMkLst>
+        </pc:spChg>
+        <pc:spChg chg="add mod">
+          <ac:chgData name="Thomas Graf" userId="487bc3e3-9ce7-4cdd-b7b4-8899ea88d289" providerId="ADAL" clId="{4A91D246-0B5B-4DD3-9B91-EC329C22E497}" dt="2023-03-25T06:27:46.261" v="90" actId="1076"/>
+          <ac:spMkLst>
+            <pc:docMk/>
+            <pc:sldMk cId="1252818839" sldId="26417"/>
+            <ac:spMk id="15" creationId="{CF15DFF8-E58D-4911-80CA-A286A9708693}"/>
+          </ac:spMkLst>
+        </pc:spChg>
+        <pc:picChg chg="del">
+          <ac:chgData name="Thomas Graf" userId="487bc3e3-9ce7-4cdd-b7b4-8899ea88d289" providerId="ADAL" clId="{4A91D246-0B5B-4DD3-9B91-EC329C22E497}" dt="2023-03-25T06:23:42.424" v="69" actId="478"/>
+          <ac:picMkLst>
+            <pc:docMk/>
+            <pc:sldMk cId="1252818839" sldId="26417"/>
+            <ac:picMk id="5" creationId="{56D27233-1534-4CB5-9D49-F9660D8781E1}"/>
+          </ac:picMkLst>
+        </pc:picChg>
+        <pc:picChg chg="del mod">
+          <ac:chgData name="Thomas Graf" userId="487bc3e3-9ce7-4cdd-b7b4-8899ea88d289" providerId="ADAL" clId="{4A91D246-0B5B-4DD3-9B91-EC329C22E497}" dt="2023-03-25T06:23:47.540" v="72" actId="478"/>
+          <ac:picMkLst>
+            <pc:docMk/>
+            <pc:sldMk cId="1252818839" sldId="26417"/>
+            <ac:picMk id="6" creationId="{5CBF930C-1869-4FB2-8804-49828E70DB81}"/>
+          </ac:picMkLst>
+        </pc:picChg>
+        <pc:picChg chg="add del mod">
+          <ac:chgData name="Thomas Graf" userId="487bc3e3-9ce7-4cdd-b7b4-8899ea88d289" providerId="ADAL" clId="{4A91D246-0B5B-4DD3-9B91-EC329C22E497}" dt="2023-03-25T06:57:25.431" v="103" actId="478"/>
+          <ac:picMkLst>
+            <pc:docMk/>
+            <pc:sldMk cId="1252818839" sldId="26417"/>
+            <ac:picMk id="11" creationId="{A2B607BD-DD6D-4AC0-AADA-3D4DDA666EFC}"/>
+          </ac:picMkLst>
+        </pc:picChg>
+        <pc:picChg chg="add mod ord">
+          <ac:chgData name="Thomas Graf" userId="487bc3e3-9ce7-4cdd-b7b4-8899ea88d289" providerId="ADAL" clId="{4A91D246-0B5B-4DD3-9B91-EC329C22E497}" dt="2023-03-25T06:57:47.348" v="110" actId="1076"/>
+          <ac:picMkLst>
+            <pc:docMk/>
+            <pc:sldMk cId="1252818839" sldId="26417"/>
+            <ac:picMk id="17" creationId="{2E8F4F27-C97D-4AE8-A263-1F5FEFFBB895}"/>
+          </ac:picMkLst>
+        </pc:picChg>
+        <pc:cxnChg chg="add mod">
+          <ac:chgData name="Thomas Graf" userId="487bc3e3-9ce7-4cdd-b7b4-8899ea88d289" providerId="ADAL" clId="{4A91D246-0B5B-4DD3-9B91-EC329C22E497}" dt="2023-03-25T06:59:27.837" v="113" actId="14100"/>
+          <ac:cxnSpMkLst>
+            <pc:docMk/>
+            <pc:sldMk cId="1252818839" sldId="26417"/>
+            <ac:cxnSpMk id="18" creationId="{C2180E3F-F42F-4DFF-8484-24D86150A407}"/>
+          </ac:cxnSpMkLst>
+        </pc:cxnChg>
+        <pc:cxnChg chg="add mod">
+          <ac:chgData name="Thomas Graf" userId="487bc3e3-9ce7-4cdd-b7b4-8899ea88d289" providerId="ADAL" clId="{4A91D246-0B5B-4DD3-9B91-EC329C22E497}" dt="2023-03-25T06:59:35.028" v="115" actId="1076"/>
+          <ac:cxnSpMkLst>
+            <pc:docMk/>
+            <pc:sldMk cId="1252818839" sldId="26417"/>
+            <ac:cxnSpMk id="19" creationId="{6352EC14-D819-4348-919F-32A6D391041A}"/>
+          </ac:cxnSpMkLst>
+        </pc:cxnChg>
+        <pc:cxnChg chg="add mod">
+          <ac:chgData name="Thomas Graf" userId="487bc3e3-9ce7-4cdd-b7b4-8899ea88d289" providerId="ADAL" clId="{4A91D246-0B5B-4DD3-9B91-EC329C22E497}" dt="2023-03-25T06:59:43.151" v="118" actId="1036"/>
+          <ac:cxnSpMkLst>
+            <pc:docMk/>
+            <pc:sldMk cId="1252818839" sldId="26417"/>
+            <ac:cxnSpMk id="20" creationId="{965783D5-97E8-4FCB-B575-71EDFDFFBF2A}"/>
+          </ac:cxnSpMkLst>
+        </pc:cxnChg>
+        <pc:cxnChg chg="add mod">
+          <ac:chgData name="Thomas Graf" userId="487bc3e3-9ce7-4cdd-b7b4-8899ea88d289" providerId="ADAL" clId="{4A91D246-0B5B-4DD3-9B91-EC329C22E497}" dt="2023-03-25T06:59:53.790" v="121" actId="1036"/>
+          <ac:cxnSpMkLst>
+            <pc:docMk/>
+            <pc:sldMk cId="1252818839" sldId="26417"/>
+            <ac:cxnSpMk id="21" creationId="{7594B7B0-3DAA-4DB9-8052-8AA9855D3129}"/>
+          </ac:cxnSpMkLst>
+        </pc:cxnChg>
+      </pc:sldChg>
+    </pc:docChg>
+  </pc:docChgLst>
+  <pc:docChgLst>
     <pc:chgData name="Graf Thomas, INI-NET-DCF" userId="487bc3e3-9ce7-4cdd-b7b4-8899ea88d289" providerId="ADAL" clId="{61A825A2-3D20-4F1E-8A91-A2606F04E19D}"/>
     <pc:docChg chg="custSel modSld">
       <pc:chgData name="Graf Thomas, INI-NET-DCF" userId="487bc3e3-9ce7-4cdd-b7b4-8899ea88d289" providerId="ADAL" clId="{61A825A2-3D20-4F1E-8A91-A2606F04E19D}" dt="2020-04-02T10:48:14.020" v="112" actId="478"/>
@@ -830,148 +1258,6 @@
         </pc:spChg>
         <pc:spChg chg="mod">
           <ac:chgData name="Graf Thomas, INI-NET-DCF" userId="487bc3e3-9ce7-4cdd-b7b4-8899ea88d289" providerId="ADAL" clId="{61A825A2-3D20-4F1E-8A91-A2606F04E19D}" dt="2020-04-02T10:47:21.625" v="111" actId="20577"/>
-          <ac:spMkLst>
-            <pc:docMk/>
-            <pc:sldMk cId="3529422000" sldId="1048"/>
-            <ac:spMk id="6" creationId="{76B60DEE-AB49-47F4-AC01-C954634AD15B}"/>
-          </ac:spMkLst>
-        </pc:spChg>
-      </pc:sldChg>
-    </pc:docChg>
-  </pc:docChgLst>
-  <pc:docChgLst>
-    <pc:chgData name="Graf Thomas, INI-NET-DCF" userId="487bc3e3-9ce7-4cdd-b7b4-8899ea88d289" providerId="ADAL" clId="{36E6DFBC-EB3C-4D3C-97F7-C6A855FFE787}"/>
-    <pc:docChg chg="modSld">
-      <pc:chgData name="Graf Thomas, INI-NET-DCF" userId="487bc3e3-9ce7-4cdd-b7b4-8899ea88d289" providerId="ADAL" clId="{36E6DFBC-EB3C-4D3C-97F7-C6A855FFE787}" dt="2020-07-27T12:02:41.304" v="1" actId="20577"/>
-      <pc:docMkLst>
-        <pc:docMk/>
-      </pc:docMkLst>
-      <pc:sldChg chg="modSp">
-        <pc:chgData name="Graf Thomas, INI-NET-DCF" userId="487bc3e3-9ce7-4cdd-b7b4-8899ea88d289" providerId="ADAL" clId="{36E6DFBC-EB3C-4D3C-97F7-C6A855FFE787}" dt="2020-07-27T12:02:41.304" v="1" actId="20577"/>
-        <pc:sldMkLst>
-          <pc:docMk/>
-          <pc:sldMk cId="3529422000" sldId="1048"/>
-        </pc:sldMkLst>
-        <pc:spChg chg="mod">
-          <ac:chgData name="Graf Thomas, INI-NET-DCF" userId="487bc3e3-9ce7-4cdd-b7b4-8899ea88d289" providerId="ADAL" clId="{36E6DFBC-EB3C-4D3C-97F7-C6A855FFE787}" dt="2020-07-27T12:02:41.304" v="1" actId="20577"/>
-          <ac:spMkLst>
-            <pc:docMk/>
-            <pc:sldMk cId="3529422000" sldId="1048"/>
-            <ac:spMk id="5" creationId="{C26208B2-0D10-4C23-B2DE-372A62E98644}"/>
-          </ac:spMkLst>
-        </pc:spChg>
-      </pc:sldChg>
-    </pc:docChg>
-  </pc:docChgLst>
-  <pc:docChgLst>
-    <pc:chgData name="Graf Thomas, INI-NET-DCF" userId="487bc3e3-9ce7-4cdd-b7b4-8899ea88d289" providerId="ADAL" clId="{D2D88D83-EF10-408A-A9AE-EEA2F4BC3522}"/>
-    <pc:docChg chg="custSel modSld">
-      <pc:chgData name="Graf Thomas, INI-NET-DCF" userId="487bc3e3-9ce7-4cdd-b7b4-8899ea88d289" providerId="ADAL" clId="{D2D88D83-EF10-408A-A9AE-EEA2F4BC3522}" dt="2020-06-13T11:16:48.674" v="47" actId="478"/>
-      <pc:docMkLst>
-        <pc:docMk/>
-      </pc:docMkLst>
-      <pc:sldChg chg="modSp">
-        <pc:chgData name="Graf Thomas, INI-NET-DCF" userId="487bc3e3-9ce7-4cdd-b7b4-8899ea88d289" providerId="ADAL" clId="{D2D88D83-EF10-408A-A9AE-EEA2F4BC3522}" dt="2020-06-13T11:08:48.535" v="11" actId="20577"/>
-        <pc:sldMkLst>
-          <pc:docMk/>
-          <pc:sldMk cId="3578665336" sldId="1041"/>
-        </pc:sldMkLst>
-        <pc:spChg chg="mod">
-          <ac:chgData name="Graf Thomas, INI-NET-DCF" userId="487bc3e3-9ce7-4cdd-b7b4-8899ea88d289" providerId="ADAL" clId="{D2D88D83-EF10-408A-A9AE-EEA2F4BC3522}" dt="2020-06-13T11:08:48.535" v="11" actId="20577"/>
-          <ac:spMkLst>
-            <pc:docMk/>
-            <pc:sldMk cId="3578665336" sldId="1041"/>
-            <ac:spMk id="6" creationId="{76B60DEE-AB49-47F4-AC01-C954634AD15B}"/>
-          </ac:spMkLst>
-        </pc:spChg>
-      </pc:sldChg>
-      <pc:sldChg chg="addSp delSp modSp">
-        <pc:chgData name="Graf Thomas, INI-NET-DCF" userId="487bc3e3-9ce7-4cdd-b7b4-8899ea88d289" providerId="ADAL" clId="{D2D88D83-EF10-408A-A9AE-EEA2F4BC3522}" dt="2020-06-13T11:16:48.674" v="47" actId="478"/>
-        <pc:sldMkLst>
-          <pc:docMk/>
-          <pc:sldMk cId="4005888238" sldId="1046"/>
-        </pc:sldMkLst>
-        <pc:spChg chg="mod">
-          <ac:chgData name="Graf Thomas, INI-NET-DCF" userId="487bc3e3-9ce7-4cdd-b7b4-8899ea88d289" providerId="ADAL" clId="{D2D88D83-EF10-408A-A9AE-EEA2F4BC3522}" dt="2020-06-13T11:09:08.297" v="12" actId="33524"/>
-          <ac:spMkLst>
-            <pc:docMk/>
-            <pc:sldMk cId="4005888238" sldId="1046"/>
-            <ac:spMk id="3" creationId="{29C0DFD4-432D-4B0C-93DF-790441DCF5B9}"/>
-          </ac:spMkLst>
-        </pc:spChg>
-        <pc:spChg chg="mod">
-          <ac:chgData name="Graf Thomas, INI-NET-DCF" userId="487bc3e3-9ce7-4cdd-b7b4-8899ea88d289" providerId="ADAL" clId="{D2D88D83-EF10-408A-A9AE-EEA2F4BC3522}" dt="2020-06-13T11:15:30.435" v="34" actId="14100"/>
-          <ac:spMkLst>
-            <pc:docMk/>
-            <pc:sldMk cId="4005888238" sldId="1046"/>
-            <ac:spMk id="17" creationId="{3A749B68-71C0-48BE-AEC2-F59082F0DB29}"/>
-          </ac:spMkLst>
-        </pc:spChg>
-        <pc:spChg chg="mod">
-          <ac:chgData name="Graf Thomas, INI-NET-DCF" userId="487bc3e3-9ce7-4cdd-b7b4-8899ea88d289" providerId="ADAL" clId="{D2D88D83-EF10-408A-A9AE-EEA2F4BC3522}" dt="2020-06-13T11:15:32.890" v="35" actId="14100"/>
-          <ac:spMkLst>
-            <pc:docMk/>
-            <pc:sldMk cId="4005888238" sldId="1046"/>
-            <ac:spMk id="19" creationId="{6980766F-6C98-4BA9-847A-7685BC1CF66D}"/>
-          </ac:spMkLst>
-        </pc:spChg>
-        <pc:spChg chg="mod">
-          <ac:chgData name="Graf Thomas, INI-NET-DCF" userId="487bc3e3-9ce7-4cdd-b7b4-8899ea88d289" providerId="ADAL" clId="{D2D88D83-EF10-408A-A9AE-EEA2F4BC3522}" dt="2020-06-13T11:16:09.318" v="40" actId="14100"/>
-          <ac:spMkLst>
-            <pc:docMk/>
-            <pc:sldMk cId="4005888238" sldId="1046"/>
-            <ac:spMk id="20" creationId="{AB282471-93EB-426D-A00D-74CF8E43C8B1}"/>
-          </ac:spMkLst>
-        </pc:spChg>
-        <pc:spChg chg="mod">
-          <ac:chgData name="Graf Thomas, INI-NET-DCF" userId="487bc3e3-9ce7-4cdd-b7b4-8899ea88d289" providerId="ADAL" clId="{D2D88D83-EF10-408A-A9AE-EEA2F4BC3522}" dt="2020-06-13T11:16:06.012" v="38" actId="14100"/>
-          <ac:spMkLst>
-            <pc:docMk/>
-            <pc:sldMk cId="4005888238" sldId="1046"/>
-            <ac:spMk id="21" creationId="{9398FE24-ED6E-48F4-B7D6-B59764DFE773}"/>
-          </ac:spMkLst>
-        </pc:spChg>
-        <pc:spChg chg="mod">
-          <ac:chgData name="Graf Thomas, INI-NET-DCF" userId="487bc3e3-9ce7-4cdd-b7b4-8899ea88d289" providerId="ADAL" clId="{D2D88D83-EF10-408A-A9AE-EEA2F4BC3522}" dt="2020-06-13T11:16:03.740" v="37" actId="14100"/>
-          <ac:spMkLst>
-            <pc:docMk/>
-            <pc:sldMk cId="4005888238" sldId="1046"/>
-            <ac:spMk id="22" creationId="{CDD81C07-5F4F-4F36-9821-B8674C794890}"/>
-          </ac:spMkLst>
-        </pc:spChg>
-        <pc:spChg chg="mod">
-          <ac:chgData name="Graf Thomas, INI-NET-DCF" userId="487bc3e3-9ce7-4cdd-b7b4-8899ea88d289" providerId="ADAL" clId="{D2D88D83-EF10-408A-A9AE-EEA2F4BC3522}" dt="2020-06-13T11:15:36.084" v="36" actId="14100"/>
-          <ac:spMkLst>
-            <pc:docMk/>
-            <pc:sldMk cId="4005888238" sldId="1046"/>
-            <ac:spMk id="23" creationId="{9CFD2FD5-7390-4BA6-905C-64474D60494A}"/>
-          </ac:spMkLst>
-        </pc:spChg>
-        <pc:cxnChg chg="add del mod">
-          <ac:chgData name="Graf Thomas, INI-NET-DCF" userId="487bc3e3-9ce7-4cdd-b7b4-8899ea88d289" providerId="ADAL" clId="{D2D88D83-EF10-408A-A9AE-EEA2F4BC3522}" dt="2020-06-13T11:16:30.836" v="43" actId="478"/>
-          <ac:cxnSpMkLst>
-            <pc:docMk/>
-            <pc:sldMk cId="4005888238" sldId="1046"/>
-            <ac:cxnSpMk id="29" creationId="{E594F5AA-B9BB-4DE7-B2A3-7566320256B3}"/>
-          </ac:cxnSpMkLst>
-        </pc:cxnChg>
-        <pc:cxnChg chg="add del mod">
-          <ac:chgData name="Graf Thomas, INI-NET-DCF" userId="487bc3e3-9ce7-4cdd-b7b4-8899ea88d289" providerId="ADAL" clId="{D2D88D83-EF10-408A-A9AE-EEA2F4BC3522}" dt="2020-06-13T11:16:48.674" v="47" actId="478"/>
-          <ac:cxnSpMkLst>
-            <pc:docMk/>
-            <pc:sldMk cId="4005888238" sldId="1046"/>
-            <ac:cxnSpMk id="30" creationId="{B7A7383F-DE4A-4281-A40B-35EAF0EE26D9}"/>
-          </ac:cxnSpMkLst>
-        </pc:cxnChg>
-      </pc:sldChg>
-      <pc:sldChg chg="modSp">
-        <pc:chgData name="Graf Thomas, INI-NET-DCF" userId="487bc3e3-9ce7-4cdd-b7b4-8899ea88d289" providerId="ADAL" clId="{D2D88D83-EF10-408A-A9AE-EEA2F4BC3522}" dt="2020-06-13T11:09:36.597" v="24" actId="20577"/>
-        <pc:sldMkLst>
-          <pc:docMk/>
-          <pc:sldMk cId="3529422000" sldId="1048"/>
-        </pc:sldMkLst>
-        <pc:spChg chg="mod">
-          <ac:chgData name="Graf Thomas, INI-NET-DCF" userId="487bc3e3-9ce7-4cdd-b7b4-8899ea88d289" providerId="ADAL" clId="{D2D88D83-EF10-408A-A9AE-EEA2F4BC3522}" dt="2020-06-13T11:09:36.597" v="24" actId="20577"/>
           <ac:spMkLst>
             <pc:docMk/>
             <pc:sldMk cId="3529422000" sldId="1048"/>
@@ -1066,7 +1352,7 @@
           <a:p>
             <a:fld id="{E5E705E9-673F-4AC4-B29E-A7B26F3B8523}" type="datetimeFigureOut">
               <a:rPr lang="de-CH" smtClean="0"/>
-              <a:t>18.03.2023</a:t>
+              <a:t>25.03.2023</a:t>
             </a:fld>
             <a:endParaRPr lang="de-CH"/>
           </a:p>
@@ -1483,7 +1769,7 @@
           <a:p>
             <a:fld id="{9E9B238C-2335-4007-98C9-471C02CC43B6}" type="datetimeFigureOut">
               <a:rPr lang="de-CH" smtClean="0"/>
-              <a:t>18.03.2023</a:t>
+              <a:t>25.03.2023</a:t>
             </a:fld>
             <a:endParaRPr lang="de-CH"/>
           </a:p>
@@ -1683,7 +1969,7 @@
           <a:p>
             <a:fld id="{9E9B238C-2335-4007-98C9-471C02CC43B6}" type="datetimeFigureOut">
               <a:rPr lang="de-CH" smtClean="0"/>
-              <a:t>18.03.2023</a:t>
+              <a:t>25.03.2023</a:t>
             </a:fld>
             <a:endParaRPr lang="de-CH"/>
           </a:p>
@@ -1893,7 +2179,7 @@
           <a:p>
             <a:fld id="{9E9B238C-2335-4007-98C9-471C02CC43B6}" type="datetimeFigureOut">
               <a:rPr lang="de-CH" smtClean="0"/>
-              <a:t>18.03.2023</a:t>
+              <a:t>25.03.2023</a:t>
             </a:fld>
             <a:endParaRPr lang="de-CH"/>
           </a:p>
@@ -2093,7 +2379,7 @@
           <a:p>
             <a:fld id="{9E9B238C-2335-4007-98C9-471C02CC43B6}" type="datetimeFigureOut">
               <a:rPr lang="de-CH" smtClean="0"/>
-              <a:t>18.03.2023</a:t>
+              <a:t>25.03.2023</a:t>
             </a:fld>
             <a:endParaRPr lang="de-CH"/>
           </a:p>
@@ -2369,7 +2655,7 @@
           <a:p>
             <a:fld id="{9E9B238C-2335-4007-98C9-471C02CC43B6}" type="datetimeFigureOut">
               <a:rPr lang="de-CH" smtClean="0"/>
-              <a:t>18.03.2023</a:t>
+              <a:t>25.03.2023</a:t>
             </a:fld>
             <a:endParaRPr lang="de-CH"/>
           </a:p>
@@ -2637,7 +2923,7 @@
           <a:p>
             <a:fld id="{9E9B238C-2335-4007-98C9-471C02CC43B6}" type="datetimeFigureOut">
               <a:rPr lang="de-CH" smtClean="0"/>
-              <a:t>18.03.2023</a:t>
+              <a:t>25.03.2023</a:t>
             </a:fld>
             <a:endParaRPr lang="de-CH"/>
           </a:p>
@@ -3052,7 +3338,7 @@
           <a:p>
             <a:fld id="{9E9B238C-2335-4007-98C9-471C02CC43B6}" type="datetimeFigureOut">
               <a:rPr lang="de-CH" smtClean="0"/>
-              <a:t>18.03.2023</a:t>
+              <a:t>25.03.2023</a:t>
             </a:fld>
             <a:endParaRPr lang="de-CH"/>
           </a:p>
@@ -3194,7 +3480,7 @@
           <a:p>
             <a:fld id="{9E9B238C-2335-4007-98C9-471C02CC43B6}" type="datetimeFigureOut">
               <a:rPr lang="de-CH" smtClean="0"/>
-              <a:t>18.03.2023</a:t>
+              <a:t>25.03.2023</a:t>
             </a:fld>
             <a:endParaRPr lang="de-CH"/>
           </a:p>
@@ -3307,7 +3593,7 @@
           <a:p>
             <a:fld id="{9E9B238C-2335-4007-98C9-471C02CC43B6}" type="datetimeFigureOut">
               <a:rPr lang="de-CH" smtClean="0"/>
-              <a:t>18.03.2023</a:t>
+              <a:t>25.03.2023</a:t>
             </a:fld>
             <a:endParaRPr lang="de-CH"/>
           </a:p>
@@ -3620,7 +3906,7 @@
           <a:p>
             <a:fld id="{9E9B238C-2335-4007-98C9-471C02CC43B6}" type="datetimeFigureOut">
               <a:rPr lang="de-CH" smtClean="0"/>
-              <a:t>18.03.2023</a:t>
+              <a:t>25.03.2023</a:t>
             </a:fld>
             <a:endParaRPr lang="de-CH"/>
           </a:p>
@@ -3909,7 +4195,7 @@
           <a:p>
             <a:fld id="{9E9B238C-2335-4007-98C9-471C02CC43B6}" type="datetimeFigureOut">
               <a:rPr lang="de-CH" smtClean="0"/>
-              <a:t>18.03.2023</a:t>
+              <a:t>25.03.2023</a:t>
             </a:fld>
             <a:endParaRPr lang="de-CH"/>
           </a:p>
@@ -4152,7 +4438,7 @@
           <a:p>
             <a:fld id="{9E9B238C-2335-4007-98C9-471C02CC43B6}" type="datetimeFigureOut">
               <a:rPr lang="de-CH" smtClean="0"/>
-              <a:t>18.03.2023</a:t>
+              <a:t>25.03.2023</a:t>
             </a:fld>
             <a:endParaRPr lang="de-CH"/>
           </a:p>
@@ -4973,7 +5259,7 @@
               <a:rPr lang="de-CH" sz="3800" dirty="0">
                 <a:latin typeface="+mj-lt"/>
               </a:rPr>
-              <a:t>18. </a:t>
+              <a:t>25. </a:t>
             </a:r>
             <a:r>
               <a:rPr lang="de-CH" sz="3800" dirty="0">
@@ -5422,8 +5708,8 @@
         </p:nvSpPr>
         <p:spPr>
           <a:xfrm>
-            <a:off x="838200" y="1884420"/>
-            <a:ext cx="7408654" cy="4292543"/>
+            <a:off x="8977745" y="863492"/>
+            <a:ext cx="2905584" cy="5131016"/>
           </a:xfrm>
         </p:spPr>
         <p:txBody>
@@ -5434,7 +5720,60 @@
           <a:p>
             <a:r>
               <a:rPr lang="en-US" sz="2000" dirty="0"/>
-              <a:t>INSA Lyon showed running open-source code based on IOAM-Trace-Type in FD.io VPP and Huawei based on IFIT SRH TLV their implementation in VRP.</a:t>
+              <a:t>INSA Lyon showed running open-source code based on IOAM-Trace-Type in FD.io VPP (</a:t>
+            </a:r>
+            <a:r>
+              <a:rPr lang="en-US" sz="2000" kern="1200" dirty="0">
+                <a:solidFill>
+                  <a:srgbClr val="000000"/>
+                </a:solidFill>
+                <a:effectLst/>
+                <a:latin typeface="Calibri" panose="020F0502020204030204" pitchFamily="34" charset="0"/>
+                <a:ea typeface="+mn-ea"/>
+                <a:cs typeface="+mn-cs"/>
+                <a:hlinkClick r:id="rId2"/>
+              </a:rPr>
+              <a:t>https://github.com/network-analytics/vpp-srh-onpath-telemetry</a:t>
+            </a:r>
+            <a:r>
+              <a:rPr lang="en-US" sz="2000" dirty="0"/>
+              <a:t>) and Huawei based on IFIT SRH TLV their implementation in VRP.</a:t>
+            </a:r>
+          </a:p>
+          <a:p>
+            <a:r>
+              <a:rPr lang="en-US" sz="2000" dirty="0" err="1">
+                <a:hlinkClick r:id="rId3"/>
+              </a:rPr>
+              <a:t>pmacct</a:t>
+            </a:r>
+            <a:r>
+              <a:rPr lang="en-US" sz="2000" dirty="0"/>
+              <a:t> data collection calculates </a:t>
+            </a:r>
+            <a:r>
+              <a:rPr lang="en-US" sz="2000" dirty="0" err="1"/>
+              <a:t>PathDelayMeanDeltaMicroseconds</a:t>
+            </a:r>
+            <a:r>
+              <a:rPr lang="en-US" sz="2000" dirty="0"/>
+              <a:t> by dividing </a:t>
+            </a:r>
+            <a:r>
+              <a:rPr lang="en-US" sz="2000" dirty="0" err="1"/>
+              <a:t>PathDelaySumDeltaMicroseconds</a:t>
+            </a:r>
+            <a:r>
+              <a:rPr lang="en-US" sz="2000" dirty="0"/>
+              <a:t> by </a:t>
+            </a:r>
+            <a:r>
+              <a:rPr lang="en-US" sz="2000" dirty="0" err="1"/>
+              <a:t>packetDeltaCount</a:t>
+            </a:r>
+            <a:r>
+              <a:rPr lang="en-US" sz="2000" dirty="0"/>
+              <a:t>.</a:t>
             </a:r>
           </a:p>
         </p:txBody>
@@ -5475,10 +5814,10 @@
       </p:sp>
       <p:pic>
         <p:nvPicPr>
-          <p:cNvPr id="5" name="Picture 4">
-            <a:extLst>
-              <a:ext uri="{FF2B5EF4-FFF2-40B4-BE49-F238E27FC236}">
-                <a16:creationId xmlns:a16="http://schemas.microsoft.com/office/drawing/2014/main" id="{56D27233-1534-4CB5-9D49-F9660D8781E1}"/>
+          <p:cNvPr id="19" name="Picture 18">
+            <a:extLst>
+              <a:ext uri="{FF2B5EF4-FFF2-40B4-BE49-F238E27FC236}">
+                <a16:creationId xmlns:a16="http://schemas.microsoft.com/office/drawing/2014/main" id="{DC92A3FE-C3AB-4A25-A708-72A59F9E0D80}"/>
               </a:ext>
             </a:extLst>
           </p:cNvPr>
@@ -5488,15 +5827,15 @@
           <p:nvPr/>
         </p:nvPicPr>
         <p:blipFill>
-          <a:blip r:embed="rId2"/>
+          <a:blip r:embed="rId4"/>
           <a:stretch>
             <a:fillRect/>
           </a:stretch>
         </p:blipFill>
         <p:spPr>
           <a:xfrm>
-            <a:off x="8878267" y="1000664"/>
-            <a:ext cx="2936702" cy="4117437"/>
+            <a:off x="366860" y="1765025"/>
+            <a:ext cx="8366667" cy="4406482"/>
           </a:xfrm>
           <a:prstGeom prst="rect">
             <a:avLst/>
@@ -5533,6 +5872,916 @@
           <a:chExt cx="0" cy="0"/>
         </a:xfrm>
       </p:grpSpPr>
+      <p:pic>
+        <p:nvPicPr>
+          <p:cNvPr id="17" name="Picture 16">
+            <a:extLst>
+              <a:ext uri="{FF2B5EF4-FFF2-40B4-BE49-F238E27FC236}">
+                <a16:creationId xmlns:a16="http://schemas.microsoft.com/office/drawing/2014/main" id="{2E8F4F27-C97D-4AE8-A263-1F5FEFFBB895}"/>
+              </a:ext>
+            </a:extLst>
+          </p:cNvPr>
+          <p:cNvPicPr>
+            <a:picLocks noChangeAspect="1"/>
+          </p:cNvPicPr>
+          <p:nvPr/>
+        </p:nvPicPr>
+        <p:blipFill>
+          <a:blip r:embed="rId2"/>
+          <a:stretch>
+            <a:fillRect/>
+          </a:stretch>
+        </p:blipFill>
+        <p:spPr>
+          <a:xfrm>
+            <a:off x="299425" y="1690688"/>
+            <a:ext cx="8345812" cy="4694519"/>
+          </a:xfrm>
+          <a:prstGeom prst="rect">
+            <a:avLst/>
+          </a:prstGeom>
+        </p:spPr>
+      </p:pic>
+      <p:sp>
+        <p:nvSpPr>
+          <p:cNvPr id="2" name="Title 1">
+            <a:extLst>
+              <a:ext uri="{FF2B5EF4-FFF2-40B4-BE49-F238E27FC236}">
+                <a16:creationId xmlns:a16="http://schemas.microsoft.com/office/drawing/2014/main" id="{FF20F271-6F0D-4AC0-BB1D-F5C338165C13}"/>
+              </a:ext>
+            </a:extLst>
+          </p:cNvPr>
+          <p:cNvSpPr>
+            <a:spLocks noGrp="1"/>
+          </p:cNvSpPr>
+          <p:nvPr>
+            <p:ph type="title"/>
+          </p:nvPr>
+        </p:nvSpPr>
+        <p:spPr/>
+        <p:txBody>
+          <a:bodyPr>
+            <a:normAutofit/>
+          </a:bodyPr>
+          <a:lstStyle/>
+          <a:p>
+            <a:r>
+              <a:rPr lang="en-US" sz="3200" b="1" dirty="0"/>
+              <a:t>On-Path Delay @ IPFIX</a:t>
+            </a:r>
+            <a:br>
+              <a:rPr lang="en-GB" sz="3600" dirty="0"/>
+            </a:br>
+            <a:r>
+              <a:rPr lang="en-US" sz="2700" dirty="0">
+                <a:solidFill>
+                  <a:schemeClr val="bg2">
+                    <a:lumMod val="75000"/>
+                  </a:schemeClr>
+                </a:solidFill>
+              </a:rPr>
+              <a:t>Running Code at IETF 116 hackathon</a:t>
+            </a:r>
+          </a:p>
+        </p:txBody>
+      </p:sp>
+      <p:sp>
+        <p:nvSpPr>
+          <p:cNvPr id="16" name="Slide Number Placeholder 1">
+            <a:extLst>
+              <a:ext uri="{FF2B5EF4-FFF2-40B4-BE49-F238E27FC236}">
+                <a16:creationId xmlns:a16="http://schemas.microsoft.com/office/drawing/2014/main" id="{4D0044F8-1C12-4A59-883A-7B56B9370029}"/>
+              </a:ext>
+            </a:extLst>
+          </p:cNvPr>
+          <p:cNvSpPr>
+            <a:spLocks noGrp="1"/>
+          </p:cNvSpPr>
+          <p:nvPr>
+            <p:ph type="sldNum" sz="quarter" idx="12"/>
+          </p:nvPr>
+        </p:nvSpPr>
+        <p:spPr>
+          <a:xfrm>
+            <a:off x="11607800" y="6362700"/>
+            <a:ext cx="414338" cy="365125"/>
+          </a:xfrm>
+        </p:spPr>
+        <p:txBody>
+          <a:bodyPr/>
+          <a:lstStyle/>
+          <a:p>
+            <a:fld id="{FC4AC485-25DE-431E-B345-9C0A15BB7F8A}" type="slidenum">
+              <a:rPr lang="en-US" sz="2200" smtClean="0"/>
+              <a:t>4</a:t>
+            </a:fld>
+            <a:endParaRPr lang="en-US" sz="2200"/>
+          </a:p>
+        </p:txBody>
+      </p:sp>
+      <p:sp>
+        <p:nvSpPr>
+          <p:cNvPr id="10" name="TextBox 9">
+            <a:extLst>
+              <a:ext uri="{FF2B5EF4-FFF2-40B4-BE49-F238E27FC236}">
+                <a16:creationId xmlns:a16="http://schemas.microsoft.com/office/drawing/2014/main" id="{1849B677-3504-4C9B-9F33-B08FC6D5A212}"/>
+              </a:ext>
+            </a:extLst>
+          </p:cNvPr>
+          <p:cNvSpPr txBox="1"/>
+          <p:nvPr/>
+        </p:nvSpPr>
+        <p:spPr>
+          <a:xfrm>
+            <a:off x="8877993" y="976511"/>
+            <a:ext cx="2936976" cy="5324535"/>
+          </a:xfrm>
+          <a:prstGeom prst="rect">
+            <a:avLst/>
+          </a:prstGeom>
+          <a:noFill/>
+        </p:spPr>
+        <p:txBody>
+          <a:bodyPr wrap="square">
+            <a:spAutoFit/>
+          </a:bodyPr>
+          <a:lstStyle/>
+          <a:p>
+            <a:pPr marL="457200" indent="-457200">
+              <a:buFont typeface="+mj-lt"/>
+              <a:buAutoNum type="arabicParenBoth"/>
+            </a:pPr>
+            <a:r>
+              <a:rPr lang="de-CH" sz="2000" dirty="0"/>
+              <a:t>Shows SRv6 SID list </a:t>
+            </a:r>
+            <a:r>
+              <a:rPr lang="de-CH" sz="2000" dirty="0" err="1"/>
+              <a:t>change</a:t>
+            </a:r>
+            <a:r>
+              <a:rPr lang="de-CH" sz="2000" dirty="0"/>
+              <a:t> of </a:t>
+            </a:r>
+            <a:r>
+              <a:rPr lang="de-CH" sz="2000" dirty="0" err="1"/>
+              <a:t>the</a:t>
+            </a:r>
+            <a:r>
+              <a:rPr lang="de-CH" sz="2000" dirty="0"/>
+              <a:t> </a:t>
+            </a:r>
+            <a:r>
+              <a:rPr lang="de-CH" sz="2000" dirty="0" err="1"/>
+              <a:t>traffic</a:t>
+            </a:r>
+            <a:r>
+              <a:rPr lang="de-CH" sz="2000" dirty="0"/>
+              <a:t> </a:t>
+            </a:r>
+            <a:r>
+              <a:rPr lang="de-CH" sz="2000" dirty="0" err="1"/>
+              <a:t>engineered</a:t>
+            </a:r>
+            <a:r>
+              <a:rPr lang="de-CH" sz="2000" dirty="0"/>
+              <a:t> </a:t>
+            </a:r>
+            <a:r>
+              <a:rPr lang="de-CH" sz="2000" dirty="0" err="1"/>
+              <a:t>paths</a:t>
+            </a:r>
+            <a:r>
+              <a:rPr lang="de-CH" sz="2000" dirty="0"/>
+              <a:t>.</a:t>
+            </a:r>
+          </a:p>
+          <a:p>
+            <a:pPr marL="457200" indent="-457200">
+              <a:buFont typeface="+mj-lt"/>
+              <a:buAutoNum type="arabicParenBoth"/>
+            </a:pPr>
+            <a:r>
+              <a:rPr lang="de-CH" sz="2000" dirty="0"/>
+              <a:t>Shows on </a:t>
+            </a:r>
+            <a:r>
+              <a:rPr lang="de-CH" sz="2000" dirty="0" err="1"/>
+              <a:t>which</a:t>
+            </a:r>
+            <a:r>
+              <a:rPr lang="de-CH" sz="2000" dirty="0"/>
+              <a:t> </a:t>
+            </a:r>
+            <a:r>
+              <a:rPr lang="de-CH" sz="2000" dirty="0" err="1"/>
+              <a:t>node</a:t>
+            </a:r>
+            <a:r>
+              <a:rPr lang="de-CH" sz="2000" dirty="0"/>
+              <a:t> </a:t>
+            </a:r>
+            <a:r>
+              <a:rPr lang="de-CH" sz="2000" dirty="0" err="1"/>
+              <a:t>how</a:t>
+            </a:r>
+            <a:r>
+              <a:rPr lang="de-CH" sz="2000" dirty="0"/>
+              <a:t> </a:t>
+            </a:r>
+            <a:r>
+              <a:rPr lang="de-CH" sz="2000" dirty="0" err="1"/>
+              <a:t>much</a:t>
+            </a:r>
+            <a:r>
+              <a:rPr lang="de-CH" sz="2000" dirty="0"/>
+              <a:t> on-</a:t>
+            </a:r>
+            <a:r>
+              <a:rPr lang="de-CH" sz="2000" dirty="0" err="1"/>
+              <a:t>path</a:t>
+            </a:r>
+            <a:r>
+              <a:rPr lang="de-CH" sz="2000" dirty="0"/>
+              <a:t> </a:t>
+            </a:r>
+            <a:r>
+              <a:rPr lang="de-CH" sz="2000" dirty="0" err="1"/>
+              <a:t>delay</a:t>
+            </a:r>
+            <a:r>
+              <a:rPr lang="de-CH" sz="2000" dirty="0"/>
+              <a:t> was </a:t>
+            </a:r>
+            <a:r>
+              <a:rPr lang="de-CH" sz="2000" dirty="0" err="1"/>
+              <a:t>being</a:t>
+            </a:r>
+            <a:r>
+              <a:rPr lang="de-CH" sz="2000" dirty="0"/>
+              <a:t> </a:t>
+            </a:r>
+            <a:r>
+              <a:rPr lang="de-CH" sz="2000" dirty="0" err="1"/>
+              <a:t>measured</a:t>
+            </a:r>
+            <a:r>
+              <a:rPr lang="de-CH" sz="2000" dirty="0"/>
+              <a:t>.</a:t>
+            </a:r>
+          </a:p>
+          <a:p>
+            <a:pPr marL="457200" indent="-457200">
+              <a:buFont typeface="+mj-lt"/>
+              <a:buAutoNum type="arabicParenBoth"/>
+            </a:pPr>
+            <a:r>
+              <a:rPr lang="de-CH" sz="2000" dirty="0"/>
+              <a:t>Shows </a:t>
+            </a:r>
+            <a:r>
+              <a:rPr lang="de-CH" sz="2000" dirty="0" err="1"/>
+              <a:t>the</a:t>
+            </a:r>
+            <a:r>
+              <a:rPr lang="de-CH" sz="2000" dirty="0"/>
+              <a:t> BGP update/</a:t>
+            </a:r>
+            <a:r>
+              <a:rPr lang="de-CH" sz="2000" dirty="0" err="1"/>
+              <a:t>withdrawals</a:t>
+            </a:r>
+            <a:r>
+              <a:rPr lang="de-CH" sz="2000" dirty="0"/>
+              <a:t> </a:t>
+            </a:r>
+            <a:r>
+              <a:rPr lang="de-CH" sz="2000" dirty="0" err="1"/>
+              <a:t>from</a:t>
+            </a:r>
+            <a:r>
+              <a:rPr lang="de-CH" sz="2000" dirty="0"/>
+              <a:t> </a:t>
+            </a:r>
+            <a:r>
+              <a:rPr lang="de-CH" sz="2000" dirty="0" err="1"/>
+              <a:t>the</a:t>
+            </a:r>
+            <a:r>
+              <a:rPr lang="de-CH" sz="2000" dirty="0"/>
+              <a:t> </a:t>
+            </a:r>
+            <a:r>
+              <a:rPr lang="de-CH" sz="2000" dirty="0" err="1"/>
+              <a:t>topology</a:t>
+            </a:r>
+            <a:r>
+              <a:rPr lang="de-CH" sz="2000" dirty="0"/>
+              <a:t> </a:t>
+            </a:r>
+            <a:r>
+              <a:rPr lang="de-CH" sz="2000" dirty="0" err="1"/>
+              <a:t>change</a:t>
+            </a:r>
+            <a:r>
+              <a:rPr lang="de-CH" sz="2000" dirty="0"/>
+              <a:t>.</a:t>
+            </a:r>
+          </a:p>
+          <a:p>
+            <a:pPr marL="457200" indent="-457200">
+              <a:buFont typeface="+mj-lt"/>
+              <a:buAutoNum type="arabicParenBoth"/>
+            </a:pPr>
+            <a:r>
+              <a:rPr lang="de-CH" sz="2000" dirty="0"/>
+              <a:t>Shows </a:t>
+            </a:r>
+            <a:r>
+              <a:rPr lang="de-CH" sz="2000" dirty="0" err="1"/>
+              <a:t>that</a:t>
+            </a:r>
+            <a:r>
+              <a:rPr lang="de-CH" sz="2000" dirty="0"/>
+              <a:t> Network </a:t>
+            </a:r>
+            <a:r>
+              <a:rPr lang="de-CH" sz="2000" dirty="0" err="1"/>
+              <a:t>Anomaly</a:t>
+            </a:r>
+            <a:r>
+              <a:rPr lang="de-CH" sz="2000" dirty="0"/>
+              <a:t> </a:t>
+            </a:r>
+            <a:r>
+              <a:rPr lang="de-CH" sz="2000" dirty="0" err="1"/>
+              <a:t>Detection</a:t>
+            </a:r>
+            <a:r>
+              <a:rPr lang="de-CH" sz="2000" dirty="0"/>
+              <a:t> </a:t>
+            </a:r>
+            <a:r>
+              <a:rPr lang="de-CH" sz="2000" dirty="0" err="1"/>
+              <a:t>detects</a:t>
+            </a:r>
+            <a:r>
+              <a:rPr lang="de-CH" sz="2000" dirty="0"/>
+              <a:t> </a:t>
+            </a:r>
+            <a:r>
+              <a:rPr lang="de-CH" sz="2000" dirty="0" err="1"/>
+              <a:t>the</a:t>
+            </a:r>
+            <a:r>
+              <a:rPr lang="de-CH" sz="2000" dirty="0"/>
+              <a:t> </a:t>
+            </a:r>
+            <a:r>
+              <a:rPr lang="de-CH" sz="2000" dirty="0" err="1"/>
+              <a:t>topology</a:t>
+            </a:r>
+            <a:r>
+              <a:rPr lang="de-CH" sz="2000" dirty="0"/>
+              <a:t> and </a:t>
+            </a:r>
+            <a:r>
+              <a:rPr lang="de-CH" sz="2000" dirty="0" err="1"/>
+              <a:t>delay</a:t>
+            </a:r>
+            <a:r>
+              <a:rPr lang="de-CH" sz="2000" dirty="0"/>
+              <a:t> </a:t>
+            </a:r>
+            <a:r>
+              <a:rPr lang="de-CH" sz="2000" dirty="0" err="1"/>
+              <a:t>change</a:t>
+            </a:r>
+            <a:r>
+              <a:rPr lang="de-CH" sz="2000" dirty="0"/>
+              <a:t> and </a:t>
+            </a:r>
+            <a:r>
+              <a:rPr lang="de-CH" sz="2000" dirty="0" err="1"/>
+              <a:t>the</a:t>
+            </a:r>
+            <a:r>
+              <a:rPr lang="de-CH" sz="2000" dirty="0"/>
+              <a:t> Max </a:t>
+            </a:r>
+            <a:r>
+              <a:rPr lang="de-CH" sz="2000" dirty="0" err="1"/>
+              <a:t>Concern</a:t>
+            </a:r>
+            <a:r>
+              <a:rPr lang="de-CH" sz="2000" dirty="0"/>
+              <a:t> Score </a:t>
+            </a:r>
+            <a:r>
+              <a:rPr lang="de-CH" sz="2000" dirty="0" err="1"/>
+              <a:t>calculation</a:t>
+            </a:r>
+            <a:r>
+              <a:rPr lang="de-CH" sz="2000" dirty="0"/>
+              <a:t>.</a:t>
+            </a:r>
+          </a:p>
+        </p:txBody>
+      </p:sp>
+      <p:sp>
+        <p:nvSpPr>
+          <p:cNvPr id="12" name="Oval 11">
+            <a:extLst>
+              <a:ext uri="{FF2B5EF4-FFF2-40B4-BE49-F238E27FC236}">
+                <a16:creationId xmlns:a16="http://schemas.microsoft.com/office/drawing/2014/main" id="{7010FA8D-2DD7-485A-92A5-769A7F661B55}"/>
+              </a:ext>
+            </a:extLst>
+          </p:cNvPr>
+          <p:cNvSpPr/>
+          <p:nvPr/>
+        </p:nvSpPr>
+        <p:spPr>
+          <a:xfrm>
+            <a:off x="3356269" y="2325510"/>
+            <a:ext cx="171450" cy="185738"/>
+          </a:xfrm>
+          <a:prstGeom prst="ellipse">
+            <a:avLst/>
+          </a:prstGeom>
+          <a:solidFill>
+            <a:schemeClr val="accent6">
+              <a:lumMod val="20000"/>
+              <a:lumOff val="80000"/>
+            </a:schemeClr>
+          </a:solidFill>
+          <a:ln w="22225">
+            <a:solidFill>
+              <a:schemeClr val="accent6"/>
+            </a:solidFill>
+          </a:ln>
+        </p:spPr>
+        <p:style>
+          <a:lnRef idx="2">
+            <a:schemeClr val="accent1">
+              <a:shade val="50000"/>
+            </a:schemeClr>
+          </a:lnRef>
+          <a:fillRef idx="1">
+            <a:schemeClr val="accent1"/>
+          </a:fillRef>
+          <a:effectRef idx="0">
+            <a:schemeClr val="accent1"/>
+          </a:effectRef>
+          <a:fontRef idx="minor">
+            <a:schemeClr val="lt1"/>
+          </a:fontRef>
+        </p:style>
+        <p:txBody>
+          <a:bodyPr rtlCol="0" anchor="ctr"/>
+          <a:lstStyle/>
+          <a:p>
+            <a:pPr algn="ctr"/>
+            <a:r>
+              <a:rPr lang="de-CH" sz="825" dirty="0">
+                <a:solidFill>
+                  <a:schemeClr val="accent6"/>
+                </a:solidFill>
+              </a:rPr>
+              <a:t>1</a:t>
+            </a:r>
+          </a:p>
+        </p:txBody>
+      </p:sp>
+      <p:sp>
+        <p:nvSpPr>
+          <p:cNvPr id="13" name="Oval 12">
+            <a:extLst>
+              <a:ext uri="{FF2B5EF4-FFF2-40B4-BE49-F238E27FC236}">
+                <a16:creationId xmlns:a16="http://schemas.microsoft.com/office/drawing/2014/main" id="{492FEB93-34D1-4323-8D28-1A14E75AFDAC}"/>
+              </a:ext>
+            </a:extLst>
+          </p:cNvPr>
+          <p:cNvSpPr/>
+          <p:nvPr/>
+        </p:nvSpPr>
+        <p:spPr>
+          <a:xfrm>
+            <a:off x="3356269" y="3676719"/>
+            <a:ext cx="171450" cy="185738"/>
+          </a:xfrm>
+          <a:prstGeom prst="ellipse">
+            <a:avLst/>
+          </a:prstGeom>
+          <a:solidFill>
+            <a:schemeClr val="accent6">
+              <a:lumMod val="20000"/>
+              <a:lumOff val="80000"/>
+            </a:schemeClr>
+          </a:solidFill>
+          <a:ln w="22225">
+            <a:solidFill>
+              <a:schemeClr val="accent6"/>
+            </a:solidFill>
+          </a:ln>
+        </p:spPr>
+        <p:style>
+          <a:lnRef idx="2">
+            <a:schemeClr val="accent1">
+              <a:shade val="50000"/>
+            </a:schemeClr>
+          </a:lnRef>
+          <a:fillRef idx="1">
+            <a:schemeClr val="accent1"/>
+          </a:fillRef>
+          <a:effectRef idx="0">
+            <a:schemeClr val="accent1"/>
+          </a:effectRef>
+          <a:fontRef idx="minor">
+            <a:schemeClr val="lt1"/>
+          </a:fontRef>
+        </p:style>
+        <p:txBody>
+          <a:bodyPr rtlCol="0" anchor="ctr"/>
+          <a:lstStyle/>
+          <a:p>
+            <a:pPr algn="ctr"/>
+            <a:r>
+              <a:rPr lang="de-CH" sz="825">
+                <a:solidFill>
+                  <a:schemeClr val="accent6"/>
+                </a:solidFill>
+              </a:rPr>
+              <a:t>2</a:t>
+            </a:r>
+          </a:p>
+        </p:txBody>
+      </p:sp>
+      <p:sp>
+        <p:nvSpPr>
+          <p:cNvPr id="14" name="Oval 13">
+            <a:extLst>
+              <a:ext uri="{FF2B5EF4-FFF2-40B4-BE49-F238E27FC236}">
+                <a16:creationId xmlns:a16="http://schemas.microsoft.com/office/drawing/2014/main" id="{9429F1EB-6BAF-4D65-8992-98877A3649B0}"/>
+              </a:ext>
+            </a:extLst>
+          </p:cNvPr>
+          <p:cNvSpPr/>
+          <p:nvPr/>
+        </p:nvSpPr>
+        <p:spPr>
+          <a:xfrm>
+            <a:off x="3356269" y="5148211"/>
+            <a:ext cx="171450" cy="185738"/>
+          </a:xfrm>
+          <a:prstGeom prst="ellipse">
+            <a:avLst/>
+          </a:prstGeom>
+          <a:solidFill>
+            <a:schemeClr val="accent6">
+              <a:lumMod val="20000"/>
+              <a:lumOff val="80000"/>
+            </a:schemeClr>
+          </a:solidFill>
+          <a:ln w="22225">
+            <a:solidFill>
+              <a:schemeClr val="accent6"/>
+            </a:solidFill>
+          </a:ln>
+        </p:spPr>
+        <p:style>
+          <a:lnRef idx="2">
+            <a:schemeClr val="accent1">
+              <a:shade val="50000"/>
+            </a:schemeClr>
+          </a:lnRef>
+          <a:fillRef idx="1">
+            <a:schemeClr val="accent1"/>
+          </a:fillRef>
+          <a:effectRef idx="0">
+            <a:schemeClr val="accent1"/>
+          </a:effectRef>
+          <a:fontRef idx="minor">
+            <a:schemeClr val="lt1"/>
+          </a:fontRef>
+        </p:style>
+        <p:txBody>
+          <a:bodyPr rtlCol="0" anchor="ctr"/>
+          <a:lstStyle/>
+          <a:p>
+            <a:pPr algn="ctr"/>
+            <a:r>
+              <a:rPr lang="de-CH" sz="825" dirty="0">
+                <a:solidFill>
+                  <a:schemeClr val="accent6"/>
+                </a:solidFill>
+              </a:rPr>
+              <a:t>3</a:t>
+            </a:r>
+          </a:p>
+        </p:txBody>
+      </p:sp>
+      <p:sp>
+        <p:nvSpPr>
+          <p:cNvPr id="15" name="Oval 14">
+            <a:extLst>
+              <a:ext uri="{FF2B5EF4-FFF2-40B4-BE49-F238E27FC236}">
+                <a16:creationId xmlns:a16="http://schemas.microsoft.com/office/drawing/2014/main" id="{CF15DFF8-E58D-4911-80CA-A286A9708693}"/>
+              </a:ext>
+            </a:extLst>
+          </p:cNvPr>
+          <p:cNvSpPr/>
+          <p:nvPr/>
+        </p:nvSpPr>
+        <p:spPr>
+          <a:xfrm>
+            <a:off x="7909794" y="2325510"/>
+            <a:ext cx="171450" cy="185738"/>
+          </a:xfrm>
+          <a:prstGeom prst="ellipse">
+            <a:avLst/>
+          </a:prstGeom>
+          <a:solidFill>
+            <a:schemeClr val="accent6">
+              <a:lumMod val="20000"/>
+              <a:lumOff val="80000"/>
+            </a:schemeClr>
+          </a:solidFill>
+          <a:ln w="22225">
+            <a:solidFill>
+              <a:schemeClr val="accent6"/>
+            </a:solidFill>
+          </a:ln>
+        </p:spPr>
+        <p:style>
+          <a:lnRef idx="2">
+            <a:schemeClr val="accent1">
+              <a:shade val="50000"/>
+            </a:schemeClr>
+          </a:lnRef>
+          <a:fillRef idx="1">
+            <a:schemeClr val="accent1"/>
+          </a:fillRef>
+          <a:effectRef idx="0">
+            <a:schemeClr val="accent1"/>
+          </a:effectRef>
+          <a:fontRef idx="minor">
+            <a:schemeClr val="lt1"/>
+          </a:fontRef>
+        </p:style>
+        <p:txBody>
+          <a:bodyPr rtlCol="0" anchor="ctr"/>
+          <a:lstStyle/>
+          <a:p>
+            <a:pPr algn="ctr"/>
+            <a:r>
+              <a:rPr lang="de-CH" sz="825" dirty="0">
+                <a:solidFill>
+                  <a:schemeClr val="accent6"/>
+                </a:solidFill>
+              </a:rPr>
+              <a:t>4</a:t>
+            </a:r>
+          </a:p>
+        </p:txBody>
+      </p:sp>
+      <p:cxnSp>
+        <p:nvCxnSpPr>
+          <p:cNvPr id="18" name="Straight Connector 17">
+            <a:extLst>
+              <a:ext uri="{FF2B5EF4-FFF2-40B4-BE49-F238E27FC236}">
+                <a16:creationId xmlns:a16="http://schemas.microsoft.com/office/drawing/2014/main" id="{C2180E3F-F42F-4DFF-8484-24D86150A407}"/>
+              </a:ext>
+            </a:extLst>
+          </p:cNvPr>
+          <p:cNvCxnSpPr>
+            <a:cxnSpLocks/>
+          </p:cNvCxnSpPr>
+          <p:nvPr/>
+        </p:nvCxnSpPr>
+        <p:spPr>
+          <a:xfrm>
+            <a:off x="838200" y="2204343"/>
+            <a:ext cx="0" cy="3980326"/>
+          </a:xfrm>
+          <a:prstGeom prst="line">
+            <a:avLst/>
+          </a:prstGeom>
+          <a:noFill/>
+          <a:ln w="12700" cap="flat">
+            <a:solidFill>
+              <a:srgbClr val="FF0000"/>
+            </a:solidFill>
+            <a:prstDash val="sysDot"/>
+            <a:round/>
+          </a:ln>
+          <a:effectLst>
+            <a:outerShdw blurRad="38100" dist="20000" dir="5400000" rotWithShape="0">
+              <a:srgbClr val="000000">
+                <a:alpha val="38000"/>
+              </a:srgbClr>
+            </a:outerShdw>
+          </a:effectLst>
+          <a:sp3d/>
+        </p:spPr>
+        <p:style>
+          <a:lnRef idx="0">
+            <a:scrgbClr r="0" g="0" b="0"/>
+          </a:lnRef>
+          <a:fillRef idx="0">
+            <a:scrgbClr r="0" g="0" b="0"/>
+          </a:fillRef>
+          <a:effectRef idx="0">
+            <a:scrgbClr r="0" g="0" b="0"/>
+          </a:effectRef>
+          <a:fontRef idx="none"/>
+        </p:style>
+      </p:cxnSp>
+      <p:cxnSp>
+        <p:nvCxnSpPr>
+          <p:cNvPr id="19" name="Straight Connector 18">
+            <a:extLst>
+              <a:ext uri="{FF2B5EF4-FFF2-40B4-BE49-F238E27FC236}">
+                <a16:creationId xmlns:a16="http://schemas.microsoft.com/office/drawing/2014/main" id="{6352EC14-D819-4348-919F-32A6D391041A}"/>
+              </a:ext>
+            </a:extLst>
+          </p:cNvPr>
+          <p:cNvCxnSpPr>
+            <a:cxnSpLocks/>
+          </p:cNvCxnSpPr>
+          <p:nvPr/>
+        </p:nvCxnSpPr>
+        <p:spPr>
+          <a:xfrm>
+            <a:off x="2220883" y="2204343"/>
+            <a:ext cx="0" cy="3980326"/>
+          </a:xfrm>
+          <a:prstGeom prst="line">
+            <a:avLst/>
+          </a:prstGeom>
+          <a:noFill/>
+          <a:ln w="12700" cap="flat">
+            <a:solidFill>
+              <a:srgbClr val="FF0000"/>
+            </a:solidFill>
+            <a:prstDash val="sysDot"/>
+            <a:round/>
+          </a:ln>
+          <a:effectLst>
+            <a:outerShdw blurRad="38100" dist="20000" dir="5400000" rotWithShape="0">
+              <a:srgbClr val="000000">
+                <a:alpha val="38000"/>
+              </a:srgbClr>
+            </a:outerShdw>
+          </a:effectLst>
+          <a:sp3d/>
+        </p:spPr>
+        <p:style>
+          <a:lnRef idx="0">
+            <a:scrgbClr r="0" g="0" b="0"/>
+          </a:lnRef>
+          <a:fillRef idx="0">
+            <a:scrgbClr r="0" g="0" b="0"/>
+          </a:fillRef>
+          <a:effectRef idx="0">
+            <a:scrgbClr r="0" g="0" b="0"/>
+          </a:effectRef>
+          <a:fontRef idx="none"/>
+        </p:style>
+      </p:cxnSp>
+      <p:cxnSp>
+        <p:nvCxnSpPr>
+          <p:cNvPr id="20" name="Straight Connector 19">
+            <a:extLst>
+              <a:ext uri="{FF2B5EF4-FFF2-40B4-BE49-F238E27FC236}">
+                <a16:creationId xmlns:a16="http://schemas.microsoft.com/office/drawing/2014/main" id="{965783D5-97E8-4FCB-B575-71EDFDFFBF2A}"/>
+              </a:ext>
+            </a:extLst>
+          </p:cNvPr>
+          <p:cNvCxnSpPr>
+            <a:cxnSpLocks/>
+          </p:cNvCxnSpPr>
+          <p:nvPr/>
+        </p:nvCxnSpPr>
+        <p:spPr>
+          <a:xfrm>
+            <a:off x="5329843" y="2212656"/>
+            <a:ext cx="0" cy="3980326"/>
+          </a:xfrm>
+          <a:prstGeom prst="line">
+            <a:avLst/>
+          </a:prstGeom>
+          <a:noFill/>
+          <a:ln w="12700" cap="flat">
+            <a:solidFill>
+              <a:srgbClr val="FF0000"/>
+            </a:solidFill>
+            <a:prstDash val="sysDot"/>
+            <a:round/>
+          </a:ln>
+          <a:effectLst>
+            <a:outerShdw blurRad="38100" dist="20000" dir="5400000" rotWithShape="0">
+              <a:srgbClr val="000000">
+                <a:alpha val="38000"/>
+              </a:srgbClr>
+            </a:outerShdw>
+          </a:effectLst>
+          <a:sp3d/>
+        </p:spPr>
+        <p:style>
+          <a:lnRef idx="0">
+            <a:scrgbClr r="0" g="0" b="0"/>
+          </a:lnRef>
+          <a:fillRef idx="0">
+            <a:scrgbClr r="0" g="0" b="0"/>
+          </a:fillRef>
+          <a:effectRef idx="0">
+            <a:scrgbClr r="0" g="0" b="0"/>
+          </a:effectRef>
+          <a:fontRef idx="none"/>
+        </p:style>
+      </p:cxnSp>
+      <p:cxnSp>
+        <p:nvCxnSpPr>
+          <p:cNvPr id="21" name="Straight Connector 20">
+            <a:extLst>
+              <a:ext uri="{FF2B5EF4-FFF2-40B4-BE49-F238E27FC236}">
+                <a16:creationId xmlns:a16="http://schemas.microsoft.com/office/drawing/2014/main" id="{7594B7B0-3DAA-4DB9-8052-8AA9855D3129}"/>
+              </a:ext>
+            </a:extLst>
+          </p:cNvPr>
+          <p:cNvCxnSpPr>
+            <a:cxnSpLocks/>
+          </p:cNvCxnSpPr>
+          <p:nvPr/>
+        </p:nvCxnSpPr>
+        <p:spPr>
+          <a:xfrm>
+            <a:off x="6859386" y="2212656"/>
+            <a:ext cx="0" cy="3980326"/>
+          </a:xfrm>
+          <a:prstGeom prst="line">
+            <a:avLst/>
+          </a:prstGeom>
+          <a:noFill/>
+          <a:ln w="12700" cap="flat">
+            <a:solidFill>
+              <a:srgbClr val="FF0000"/>
+            </a:solidFill>
+            <a:prstDash val="sysDot"/>
+            <a:round/>
+          </a:ln>
+          <a:effectLst>
+            <a:outerShdw blurRad="38100" dist="20000" dir="5400000" rotWithShape="0">
+              <a:srgbClr val="000000">
+                <a:alpha val="38000"/>
+              </a:srgbClr>
+            </a:outerShdw>
+          </a:effectLst>
+          <a:sp3d/>
+        </p:spPr>
+        <p:style>
+          <a:lnRef idx="0">
+            <a:scrgbClr r="0" g="0" b="0"/>
+          </a:lnRef>
+          <a:fillRef idx="0">
+            <a:scrgbClr r="0" g="0" b="0"/>
+          </a:fillRef>
+          <a:effectRef idx="0">
+            <a:scrgbClr r="0" g="0" b="0"/>
+          </a:effectRef>
+          <a:fontRef idx="none"/>
+        </p:style>
+      </p:cxnSp>
+    </p:spTree>
+    <p:extLst>
+      <p:ext uri="{BB962C8B-B14F-4D97-AF65-F5344CB8AC3E}">
+        <p14:creationId xmlns:p14="http://schemas.microsoft.com/office/powerpoint/2010/main" val="1252818839"/>
+      </p:ext>
+    </p:extLst>
+  </p:cSld>
+  <p:clrMapOvr>
+    <a:masterClrMapping/>
+  </p:clrMapOvr>
+</p:sld>
+</file>
+
+<file path=ppt/slides/slide5.xml><?xml version="1.0" encoding="utf-8"?>
+<p:sld xmlns:a="http://schemas.openxmlformats.org/drawingml/2006/main" xmlns:r="http://schemas.openxmlformats.org/officeDocument/2006/relationships" xmlns:p="http://schemas.openxmlformats.org/presentationml/2006/main">
+  <p:cSld>
+    <p:spTree>
+      <p:nvGrpSpPr>
+        <p:cNvPr id="1" name=""/>
+        <p:cNvGrpSpPr/>
+        <p:nvPr/>
+      </p:nvGrpSpPr>
+      <p:grpSpPr>
+        <a:xfrm>
+          <a:off x="0" y="0"/>
+          <a:ext cx="0" cy="0"/>
+          <a:chOff x="0" y="0"/>
+          <a:chExt cx="0" cy="0"/>
+        </a:xfrm>
+      </p:grpSpPr>
       <p:sp>
         <p:nvSpPr>
           <p:cNvPr id="2" name="Title 1">
@@ -5690,7 +6939,7 @@
           <a:p>
             <a:fld id="{FC4AC485-25DE-431E-B345-9C0A15BB7F8A}" type="slidenum">
               <a:rPr lang="en-US" sz="2200" smtClean="0"/>
-              <a:t>4</a:t>
+              <a:t>5</a:t>
             </a:fld>
             <a:endParaRPr lang="en-US" sz="2200"/>
           </a:p>
@@ -5951,7 +7200,7 @@
               <a:rPr lang="de-CH" sz="3800" dirty="0">
                 <a:latin typeface="+mj-lt"/>
               </a:rPr>
-              <a:t>18. </a:t>
+              <a:t>25. </a:t>
             </a:r>
             <a:r>
               <a:rPr lang="de-CH" sz="3800" dirty="0">
